--- a/Singapore presentation_chapter3.pptx
+++ b/Singapore presentation_chapter3.pptx
@@ -6429,14 +6429,14 @@
           <p:nvPr>
             <p:extLst>
               <p:ext uri="{D42A27DB-BD31-4B8C-83A1-F6EECF244321}">
-                <p14:modId xmlns:p14="http://schemas.microsoft.com/office/powerpoint/2010/main" val="4056037699"/>
+                <p14:modId xmlns:p14="http://schemas.microsoft.com/office/powerpoint/2010/main" val="2650019123"/>
               </p:ext>
             </p:extLst>
           </p:nvPr>
         </p:nvGraphicFramePr>
         <p:xfrm>
           <a:off x="637628" y="1592024"/>
-          <a:ext cx="8940800" cy="1706880"/>
+          <a:ext cx="8940800" cy="2042160"/>
         </p:xfrm>
         <a:graphic>
           <a:graphicData uri="http://schemas.openxmlformats.org/drawingml/2006/table">
@@ -6539,7 +6539,7 @@
                           <a:ea typeface="+mn-ea"/>
                           <a:cs typeface="Times New Roman" panose="02020603050405020304" pitchFamily="18" charset="0"/>
                         </a:rPr>
-                        <a:t>Dark Complexion</a:t>
+                        <a:t>Dark Complexion(1:5)</a:t>
                       </a:r>
                       <a:endParaRPr lang="en-US" sz="2200" dirty="0">
                         <a:latin typeface="Times New Roman" panose="02020603050405020304" pitchFamily="18" charset="0"/>
@@ -6568,7 +6568,19 @@
                           <a:ea typeface="+mn-ea"/>
                           <a:cs typeface="Times New Roman" panose="02020603050405020304" pitchFamily="18" charset="0"/>
                         </a:rPr>
-                        <a:t>More Beautiful</a:t>
+                        <a:t>More </a:t>
+                      </a:r>
+                      <a:r>
+                        <a:rPr lang="en-US" sz="2200" kern="1200" dirty="0" smtClean="0">
+                          <a:solidFill>
+                            <a:schemeClr val="dk1"/>
+                          </a:solidFill>
+                          <a:effectLst/>
+                          <a:latin typeface="Times New Roman" panose="02020603050405020304" pitchFamily="18" charset="0"/>
+                          <a:ea typeface="+mn-ea"/>
+                          <a:cs typeface="Times New Roman" panose="02020603050405020304" pitchFamily="18" charset="0"/>
+                        </a:rPr>
+                        <a:t>Beautiful(4:7)</a:t>
                       </a:r>
                       <a:endParaRPr lang="en-US" sz="2200" dirty="0">
                         <a:latin typeface="Times New Roman" panose="02020603050405020304" pitchFamily="18" charset="0"/>
@@ -6604,7 +6616,7 @@
                           <a:ea typeface="+mn-ea"/>
                           <a:cs typeface="Times New Roman" panose="02020603050405020304" pitchFamily="18" charset="0"/>
                         </a:rPr>
-                        <a:t>Being Looked upon</a:t>
+                        <a:t>Being Looked upon(1:6)</a:t>
                       </a:r>
                       <a:endParaRPr lang="en-US" sz="2200" dirty="0">
                         <a:latin typeface="Times New Roman" panose="02020603050405020304" pitchFamily="18" charset="0"/>
@@ -6633,7 +6645,19 @@
                           <a:ea typeface="+mn-ea"/>
                           <a:cs typeface="Times New Roman" panose="02020603050405020304" pitchFamily="18" charset="0"/>
                         </a:rPr>
-                        <a:t>Fairest among women</a:t>
+                        <a:t>Fairest among </a:t>
+                      </a:r>
+                      <a:r>
+                        <a:rPr lang="en-US" sz="2200" kern="1200" dirty="0" smtClean="0">
+                          <a:solidFill>
+                            <a:schemeClr val="dk1"/>
+                          </a:solidFill>
+                          <a:effectLst/>
+                          <a:latin typeface="Times New Roman" panose="02020603050405020304" pitchFamily="18" charset="0"/>
+                          <a:ea typeface="+mn-ea"/>
+                          <a:cs typeface="Times New Roman" panose="02020603050405020304" pitchFamily="18" charset="0"/>
+                        </a:rPr>
+                        <a:t>women(5:9)</a:t>
                       </a:r>
                       <a:endParaRPr lang="en-US" sz="2200" dirty="0">
                         <a:latin typeface="Times New Roman" panose="02020603050405020304" pitchFamily="18" charset="0"/>
@@ -6669,7 +6693,7 @@
                           <a:ea typeface="+mn-ea"/>
                           <a:cs typeface="Times New Roman" panose="02020603050405020304" pitchFamily="18" charset="0"/>
                         </a:rPr>
-                        <a:t>Tanned by the Sun</a:t>
+                        <a:t>Tanned by the Sun(1:6)</a:t>
                       </a:r>
                       <a:endParaRPr lang="en-US" sz="2200" dirty="0">
                         <a:latin typeface="Times New Roman" panose="02020603050405020304" pitchFamily="18" charset="0"/>
@@ -6698,7 +6722,19 @@
                           <a:ea typeface="+mn-ea"/>
                           <a:cs typeface="Times New Roman" panose="02020603050405020304" pitchFamily="18" charset="0"/>
                         </a:rPr>
-                        <a:t>Fair as the Moon, Bright as the Sun</a:t>
+                        <a:t>Fair as the Moon, Bright as the </a:t>
+                      </a:r>
+                      <a:r>
+                        <a:rPr lang="en-US" sz="2200" kern="1200" dirty="0" smtClean="0">
+                          <a:solidFill>
+                            <a:schemeClr val="dk1"/>
+                          </a:solidFill>
+                          <a:effectLst/>
+                          <a:latin typeface="Times New Roman" panose="02020603050405020304" pitchFamily="18" charset="0"/>
+                          <a:ea typeface="+mn-ea"/>
+                          <a:cs typeface="Times New Roman" panose="02020603050405020304" pitchFamily="18" charset="0"/>
+                        </a:rPr>
+                        <a:t>Sun(6:10)</a:t>
                       </a:r>
                       <a:endParaRPr lang="en-US" sz="2200" dirty="0">
                         <a:latin typeface="Times New Roman" panose="02020603050405020304" pitchFamily="18" charset="0"/>
@@ -6792,8 +6828,8 @@
         </p:blipFill>
         <p:spPr>
           <a:xfrm>
-            <a:off x="784772" y="3543455"/>
-            <a:ext cx="4039475" cy="3133242"/>
+            <a:off x="784772" y="3879273"/>
+            <a:ext cx="4039475" cy="2797423"/>
           </a:xfrm>
           <a:prstGeom prst="rect">
             <a:avLst/>
@@ -6822,8 +6858,8 @@
         </p:blipFill>
         <p:spPr>
           <a:xfrm>
-            <a:off x="5202621" y="3543455"/>
-            <a:ext cx="4375807" cy="3133242"/>
+            <a:off x="5202621" y="3879273"/>
+            <a:ext cx="4375807" cy="2797424"/>
           </a:xfrm>
           <a:prstGeom prst="rect">
             <a:avLst/>
@@ -7209,7 +7245,7 @@
           <p:nvPr>
             <p:extLst>
               <p:ext uri="{D42A27DB-BD31-4B8C-83A1-F6EECF244321}">
-                <p14:modId xmlns:p14="http://schemas.microsoft.com/office/powerpoint/2010/main" val="1552713148"/>
+                <p14:modId xmlns:p14="http://schemas.microsoft.com/office/powerpoint/2010/main" val="2982424609"/>
               </p:ext>
             </p:extLst>
           </p:nvPr>
@@ -7345,7 +7381,7 @@
                           <a:ea typeface="+mn-ea"/>
                           <a:cs typeface="Times New Roman" panose="02020603050405020304" pitchFamily="18" charset="0"/>
                         </a:rPr>
-                        <a:t>Anger of Brothers</a:t>
+                        <a:t>Anger of Brothers(1:6)</a:t>
                       </a:r>
                       <a:endParaRPr lang="en-US" sz="2200" dirty="0">
                         <a:latin typeface="Times New Roman" panose="02020603050405020304" pitchFamily="18" charset="0"/>
@@ -7374,7 +7410,19 @@
                           <a:ea typeface="+mn-ea"/>
                           <a:cs typeface="Times New Roman" panose="02020603050405020304" pitchFamily="18" charset="0"/>
                         </a:rPr>
-                        <a:t>Praised by the Queens </a:t>
+                        <a:t>Praised by the </a:t>
+                      </a:r>
+                      <a:r>
+                        <a:rPr lang="en-US" sz="2200" kern="1200" dirty="0" smtClean="0">
+                          <a:solidFill>
+                            <a:schemeClr val="dk1"/>
+                          </a:solidFill>
+                          <a:effectLst/>
+                          <a:latin typeface="Times New Roman" panose="02020603050405020304" pitchFamily="18" charset="0"/>
+                          <a:ea typeface="+mn-ea"/>
+                          <a:cs typeface="Times New Roman" panose="02020603050405020304" pitchFamily="18" charset="0"/>
+                        </a:rPr>
+                        <a:t>Queens(6:9) </a:t>
                       </a:r>
                       <a:endParaRPr lang="en-US" sz="2200" dirty="0">
                         <a:latin typeface="Times New Roman" panose="02020603050405020304" pitchFamily="18" charset="0"/>
@@ -7410,7 +7458,7 @@
                           <a:ea typeface="+mn-ea"/>
                           <a:cs typeface="Times New Roman" panose="02020603050405020304" pitchFamily="18" charset="0"/>
                         </a:rPr>
-                        <a:t>Keeper of vineyards</a:t>
+                        <a:t>Keeper of vineyards(1:6)</a:t>
                       </a:r>
                       <a:endParaRPr lang="en-US" sz="2200" dirty="0">
                         <a:latin typeface="Times New Roman" panose="02020603050405020304" pitchFamily="18" charset="0"/>
@@ -7439,7 +7487,19 @@
                           <a:ea typeface="+mn-ea"/>
                           <a:cs typeface="Times New Roman" panose="02020603050405020304" pitchFamily="18" charset="0"/>
                         </a:rPr>
-                        <a:t>An Army with banners</a:t>
+                        <a:t>An Army with </a:t>
+                      </a:r>
+                      <a:r>
+                        <a:rPr lang="en-US" sz="2200" kern="1200" dirty="0" smtClean="0">
+                          <a:solidFill>
+                            <a:schemeClr val="dk1"/>
+                          </a:solidFill>
+                          <a:effectLst/>
+                          <a:latin typeface="Times New Roman" panose="02020603050405020304" pitchFamily="18" charset="0"/>
+                          <a:ea typeface="+mn-ea"/>
+                          <a:cs typeface="Times New Roman" panose="02020603050405020304" pitchFamily="18" charset="0"/>
+                        </a:rPr>
+                        <a:t>banners(6:10)</a:t>
                       </a:r>
                       <a:endParaRPr lang="en-US" sz="2200" dirty="0">
                         <a:latin typeface="Times New Roman" panose="02020603050405020304" pitchFamily="18" charset="0"/>
@@ -7475,7 +7535,7 @@
                           <a:ea typeface="+mn-ea"/>
                           <a:cs typeface="Times New Roman" panose="02020603050405020304" pitchFamily="18" charset="0"/>
                         </a:rPr>
-                        <a:t>Being veiled and made to wait</a:t>
+                        <a:t>Being veiled and made to wait(5:7)</a:t>
                       </a:r>
                       <a:endParaRPr lang="en-US" sz="2200" dirty="0">
                         <a:latin typeface="Times New Roman" panose="02020603050405020304" pitchFamily="18" charset="0"/>
@@ -7505,6 +7565,18 @@
                           <a:cs typeface="Times New Roman" panose="02020603050405020304" pitchFamily="18" charset="0"/>
                         </a:rPr>
                         <a:t>Being crowned like Mount Carmel </a:t>
+                      </a:r>
+                      <a:r>
+                        <a:rPr lang="en-US" sz="2200" kern="1200" dirty="0" smtClean="0">
+                          <a:solidFill>
+                            <a:schemeClr val="dk1"/>
+                          </a:solidFill>
+                          <a:effectLst/>
+                          <a:latin typeface="Times New Roman" panose="02020603050405020304" pitchFamily="18" charset="0"/>
+                          <a:ea typeface="+mn-ea"/>
+                          <a:cs typeface="Times New Roman" panose="02020603050405020304" pitchFamily="18" charset="0"/>
+                        </a:rPr>
+                        <a:t>(3:11)</a:t>
                       </a:r>
                       <a:endParaRPr lang="en-US" sz="2200" dirty="0">
                         <a:latin typeface="Times New Roman" panose="02020603050405020304" pitchFamily="18" charset="0"/>
@@ -7540,7 +7612,7 @@
                           <a:ea typeface="+mn-ea"/>
                           <a:cs typeface="Times New Roman" panose="02020603050405020304" pitchFamily="18" charset="0"/>
                         </a:rPr>
-                        <a:t>Being stirred up</a:t>
+                        <a:t>Being stirred up(8:4)</a:t>
                       </a:r>
                       <a:endParaRPr lang="en-US" sz="2200" dirty="0">
                         <a:latin typeface="Times New Roman" panose="02020603050405020304" pitchFamily="18" charset="0"/>
@@ -7569,7 +7641,19 @@
                           <a:ea typeface="+mn-ea"/>
                           <a:cs typeface="Times New Roman" panose="02020603050405020304" pitchFamily="18" charset="0"/>
                         </a:rPr>
-                        <a:t>Being carried in Solomon’s couch</a:t>
+                        <a:t>Being carried in Solomon’s </a:t>
+                      </a:r>
+                      <a:r>
+                        <a:rPr lang="en-US" sz="2200" kern="1200" dirty="0" smtClean="0">
+                          <a:solidFill>
+                            <a:schemeClr val="dk1"/>
+                          </a:solidFill>
+                          <a:effectLst/>
+                          <a:latin typeface="Times New Roman" panose="02020603050405020304" pitchFamily="18" charset="0"/>
+                          <a:ea typeface="+mn-ea"/>
+                          <a:cs typeface="Times New Roman" panose="02020603050405020304" pitchFamily="18" charset="0"/>
+                        </a:rPr>
+                        <a:t>couch(3:7)</a:t>
                       </a:r>
                       <a:endParaRPr lang="en-US" sz="2200" dirty="0">
                         <a:latin typeface="Times New Roman" panose="02020603050405020304" pitchFamily="18" charset="0"/>
@@ -7880,14 +7964,14 @@
           <p:nvPr>
             <p:extLst>
               <p:ext uri="{D42A27DB-BD31-4B8C-83A1-F6EECF244321}">
-                <p14:modId xmlns:p14="http://schemas.microsoft.com/office/powerpoint/2010/main" val="4188572816"/>
+                <p14:modId xmlns:p14="http://schemas.microsoft.com/office/powerpoint/2010/main" val="3768931536"/>
               </p:ext>
             </p:extLst>
           </p:nvPr>
         </p:nvGraphicFramePr>
         <p:xfrm>
-          <a:off x="728717" y="656604"/>
-          <a:ext cx="8128000" cy="3139440"/>
+          <a:off x="728717" y="361040"/>
+          <a:ext cx="8128000" cy="3810000"/>
         </p:xfrm>
         <a:graphic>
           <a:graphicData uri="http://schemas.openxmlformats.org/drawingml/2006/table">
@@ -8016,7 +8100,7 @@
                           <a:ea typeface="+mn-ea"/>
                           <a:cs typeface="Times New Roman" panose="02020603050405020304" pitchFamily="18" charset="0"/>
                         </a:rPr>
-                        <a:t>Winter stagnation</a:t>
+                        <a:t>Winter stagnation(2:11)</a:t>
                       </a:r>
                       <a:endParaRPr lang="en-US" sz="2200" dirty="0">
                         <a:latin typeface="Times New Roman" panose="02020603050405020304" pitchFamily="18" charset="0"/>
@@ -8045,7 +8129,19 @@
                           <a:ea typeface="+mn-ea"/>
                           <a:cs typeface="Times New Roman" panose="02020603050405020304" pitchFamily="18" charset="0"/>
                         </a:rPr>
-                        <a:t>The singing of spring(season)</a:t>
+                        <a:t>The singing of spring(season</a:t>
+                      </a:r>
+                      <a:r>
+                        <a:rPr lang="en-US" sz="2200" kern="1200" dirty="0" smtClean="0">
+                          <a:solidFill>
+                            <a:schemeClr val="dk1"/>
+                          </a:solidFill>
+                          <a:effectLst/>
+                          <a:latin typeface="Times New Roman" panose="02020603050405020304" pitchFamily="18" charset="0"/>
+                          <a:ea typeface="+mn-ea"/>
+                          <a:cs typeface="Times New Roman" panose="02020603050405020304" pitchFamily="18" charset="0"/>
+                        </a:rPr>
+                        <a:t>)(2:11)</a:t>
                       </a:r>
                       <a:endParaRPr lang="en-US" sz="2200" dirty="0">
                         <a:latin typeface="Times New Roman" panose="02020603050405020304" pitchFamily="18" charset="0"/>
@@ -8081,7 +8177,7 @@
                           <a:ea typeface="+mn-ea"/>
                           <a:cs typeface="Times New Roman" panose="02020603050405020304" pitchFamily="18" charset="0"/>
                         </a:rPr>
-                        <a:t>Foxes and little foxes that ruin vineyards</a:t>
+                        <a:t>Foxes and little foxes that ruin vineyards(2:15)</a:t>
                       </a:r>
                       <a:endParaRPr lang="en-US" sz="2200" dirty="0">
                         <a:latin typeface="Times New Roman" panose="02020603050405020304" pitchFamily="18" charset="0"/>
@@ -8110,7 +8206,19 @@
                           <a:ea typeface="+mn-ea"/>
                           <a:cs typeface="Times New Roman" panose="02020603050405020304" pitchFamily="18" charset="0"/>
                         </a:rPr>
-                        <a:t>Pleasant fruits of all manner – New and Old</a:t>
+                        <a:t>Pleasant fruits of all manner – New and </a:t>
+                      </a:r>
+                      <a:r>
+                        <a:rPr lang="en-US" sz="2200" kern="1200" dirty="0" smtClean="0">
+                          <a:solidFill>
+                            <a:schemeClr val="dk1"/>
+                          </a:solidFill>
+                          <a:effectLst/>
+                          <a:latin typeface="Times New Roman" panose="02020603050405020304" pitchFamily="18" charset="0"/>
+                          <a:ea typeface="+mn-ea"/>
+                          <a:cs typeface="Times New Roman" panose="02020603050405020304" pitchFamily="18" charset="0"/>
+                        </a:rPr>
+                        <a:t>Old(7:13)</a:t>
                       </a:r>
                       <a:endParaRPr lang="en-US" sz="2200" dirty="0">
                         <a:latin typeface="Times New Roman" panose="02020603050405020304" pitchFamily="18" charset="0"/>
@@ -8146,7 +8254,7 @@
                           <a:ea typeface="+mn-ea"/>
                           <a:cs typeface="Times New Roman" panose="02020603050405020304" pitchFamily="18" charset="0"/>
                         </a:rPr>
-                        <a:t>The slackness of night</a:t>
+                        <a:t>The slackness of night(5:2)</a:t>
                       </a:r>
                       <a:endParaRPr lang="en-US" sz="2200" dirty="0">
                         <a:latin typeface="Times New Roman" panose="02020603050405020304" pitchFamily="18" charset="0"/>
@@ -8175,7 +8283,19 @@
                           <a:ea typeface="+mn-ea"/>
                           <a:cs typeface="Times New Roman" panose="02020603050405020304" pitchFamily="18" charset="0"/>
                         </a:rPr>
-                        <a:t>Holding the Groom tight without letting him go again</a:t>
+                        <a:t>Holding the Groom tight without letting him go </a:t>
+                      </a:r>
+                      <a:r>
+                        <a:rPr lang="en-US" sz="2200" kern="1200" dirty="0" smtClean="0">
+                          <a:solidFill>
+                            <a:schemeClr val="dk1"/>
+                          </a:solidFill>
+                          <a:effectLst/>
+                          <a:latin typeface="Times New Roman" panose="02020603050405020304" pitchFamily="18" charset="0"/>
+                          <a:ea typeface="+mn-ea"/>
+                          <a:cs typeface="Times New Roman" panose="02020603050405020304" pitchFamily="18" charset="0"/>
+                        </a:rPr>
+                        <a:t>again(3:4)</a:t>
                       </a:r>
                       <a:endParaRPr lang="en-US" sz="2200" dirty="0">
                         <a:latin typeface="Times New Roman" panose="02020603050405020304" pitchFamily="18" charset="0"/>
@@ -8211,7 +8331,7 @@
                           <a:ea typeface="+mn-ea"/>
                           <a:cs typeface="Times New Roman" panose="02020603050405020304" pitchFamily="18" charset="0"/>
                         </a:rPr>
-                        <a:t>The silent keepers (Un assisting)</a:t>
+                        <a:t>The silent keepers (Un assisting)(5:7)</a:t>
                       </a:r>
                       <a:endParaRPr lang="en-US" sz="2200" dirty="0">
                         <a:latin typeface="Times New Roman" panose="02020603050405020304" pitchFamily="18" charset="0"/>
@@ -8240,7 +8360,19 @@
                           <a:ea typeface="+mn-ea"/>
                           <a:cs typeface="Times New Roman" panose="02020603050405020304" pitchFamily="18" charset="0"/>
                         </a:rPr>
-                        <a:t>Un Quenchable quest to find the Groom</a:t>
+                        <a:t>Un Quenchable quest to find the </a:t>
+                      </a:r>
+                      <a:r>
+                        <a:rPr lang="en-US" sz="2200" kern="1200" dirty="0" smtClean="0">
+                          <a:solidFill>
+                            <a:schemeClr val="dk1"/>
+                          </a:solidFill>
+                          <a:effectLst/>
+                          <a:latin typeface="Times New Roman" panose="02020603050405020304" pitchFamily="18" charset="0"/>
+                          <a:ea typeface="+mn-ea"/>
+                          <a:cs typeface="Times New Roman" panose="02020603050405020304" pitchFamily="18" charset="0"/>
+                        </a:rPr>
+                        <a:t>Groom(5:6)</a:t>
                       </a:r>
                       <a:endParaRPr lang="en-US" sz="2200" dirty="0">
                         <a:latin typeface="Times New Roman" panose="02020603050405020304" pitchFamily="18" charset="0"/>
@@ -8616,14 +8748,14 @@
           <p:nvPr>
             <p:extLst>
               <p:ext uri="{D42A27DB-BD31-4B8C-83A1-F6EECF244321}">
-                <p14:modId xmlns:p14="http://schemas.microsoft.com/office/powerpoint/2010/main" val="4217905426"/>
+                <p14:modId xmlns:p14="http://schemas.microsoft.com/office/powerpoint/2010/main" val="4284170284"/>
               </p:ext>
             </p:extLst>
           </p:nvPr>
         </p:nvGraphicFramePr>
         <p:xfrm>
-          <a:off x="728718" y="677624"/>
-          <a:ext cx="8128000" cy="2377440"/>
+          <a:off x="719482" y="280460"/>
+          <a:ext cx="8128000" cy="2712720"/>
         </p:xfrm>
         <a:graphic>
           <a:graphicData uri="http://schemas.openxmlformats.org/drawingml/2006/table">
@@ -8752,7 +8884,7 @@
                           <a:ea typeface="+mn-ea"/>
                           <a:cs typeface="+mn-cs"/>
                         </a:rPr>
-                        <a:t>The scares of night</a:t>
+                        <a:t>The scares of night(3:8)</a:t>
                       </a:r>
                       <a:endParaRPr lang="en-US" sz="2200" dirty="0"/>
                     </a:p>
@@ -8778,7 +8910,19 @@
                           <a:ea typeface="+mn-ea"/>
                           <a:cs typeface="+mn-cs"/>
                         </a:rPr>
-                        <a:t>Being carried in the Couch</a:t>
+                        <a:t>Being carried in the </a:t>
+                      </a:r>
+                      <a:r>
+                        <a:rPr lang="en-US" sz="2200" kern="1200" dirty="0" smtClean="0">
+                          <a:solidFill>
+                            <a:schemeClr val="dk1"/>
+                          </a:solidFill>
+                          <a:effectLst/>
+                          <a:latin typeface="+mn-lt"/>
+                          <a:ea typeface="+mn-ea"/>
+                          <a:cs typeface="+mn-cs"/>
+                        </a:rPr>
+                        <a:t>Couch(3:7)</a:t>
                       </a:r>
                       <a:endParaRPr lang="en-US" sz="2200" dirty="0"/>
                     </a:p>
@@ -8811,7 +8955,7 @@
                           <a:ea typeface="+mn-ea"/>
                           <a:cs typeface="+mn-cs"/>
                         </a:rPr>
-                        <a:t>The Mountains of Leopards and the dens of Lions</a:t>
+                        <a:t>The Mountains of Leopards and the dens of Lions(4:8)</a:t>
                       </a:r>
                       <a:endParaRPr lang="en-US" sz="2200" dirty="0"/>
                     </a:p>
@@ -8850,6 +8994,18 @@
                           <a:cs typeface="+mn-cs"/>
                         </a:rPr>
                         <a:t>Amminadab</a:t>
+                      </a:r>
+                      <a:r>
+                        <a:rPr lang="en-US" sz="2200" kern="1200" dirty="0" smtClean="0">
+                          <a:solidFill>
+                            <a:schemeClr val="dk1"/>
+                          </a:solidFill>
+                          <a:effectLst/>
+                          <a:latin typeface="+mn-lt"/>
+                          <a:ea typeface="+mn-ea"/>
+                          <a:cs typeface="+mn-cs"/>
+                        </a:rPr>
+                        <a:t>(6:12)</a:t>
                       </a:r>
                       <a:endParaRPr lang="en-US" sz="2200" dirty="0"/>
                     </a:p>
@@ -9332,7 +9488,7 @@
           <p:nvPr>
             <p:extLst>
               <p:ext uri="{D42A27DB-BD31-4B8C-83A1-F6EECF244321}">
-                <p14:modId xmlns:p14="http://schemas.microsoft.com/office/powerpoint/2010/main" val="802890559"/>
+                <p14:modId xmlns:p14="http://schemas.microsoft.com/office/powerpoint/2010/main" val="1578191254"/>
               </p:ext>
             </p:extLst>
           </p:nvPr>
@@ -9464,7 +9620,7 @@
                           <a:ea typeface="+mn-ea"/>
                           <a:cs typeface="+mn-cs"/>
                         </a:rPr>
-                        <a:t>Blows and wounds</a:t>
+                        <a:t>Blows and wounds(5:7)</a:t>
                       </a:r>
                       <a:endParaRPr lang="en-US" dirty="0"/>
                     </a:p>
@@ -9486,7 +9642,19 @@
                           <a:ea typeface="+mn-ea"/>
                           <a:cs typeface="+mn-cs"/>
                         </a:rPr>
-                        <a:t>Fair and Pleasant with all the delights.</a:t>
+                        <a:t>Fair and Pleasant with all the delights</a:t>
+                      </a:r>
+                      <a:r>
+                        <a:rPr lang="en-US" sz="1800" kern="1200" dirty="0" smtClean="0">
+                          <a:solidFill>
+                            <a:schemeClr val="dk1"/>
+                          </a:solidFill>
+                          <a:effectLst/>
+                          <a:latin typeface="+mn-lt"/>
+                          <a:ea typeface="+mn-ea"/>
+                          <a:cs typeface="+mn-cs"/>
+                        </a:rPr>
+                        <a:t>.(7:6)</a:t>
                       </a:r>
                       <a:endParaRPr lang="en-US" dirty="0"/>
                     </a:p>
@@ -9537,7 +9705,7 @@
                           <a:ea typeface="+mn-ea"/>
                           <a:cs typeface="+mn-cs"/>
                         </a:rPr>
-                        <a:t>17.Unique state; The only one ; The dearest one  (6:9)</a:t>
+                        <a:t>Unique state; The only one ; The dearest one  (6:9)</a:t>
                       </a:r>
                       <a:endParaRPr lang="en-US" dirty="0"/>
                     </a:p>
@@ -9588,7 +9756,19 @@
                           <a:ea typeface="+mn-ea"/>
                           <a:cs typeface="+mn-cs"/>
                         </a:rPr>
-                        <a:t>To become multitudes (A Holy Nation and Royal Priesthood)</a:t>
+                        <a:t>To become multitudes (A Holy Nation and Royal Priesthood</a:t>
+                      </a:r>
+                      <a:r>
+                        <a:rPr lang="en-US" sz="1800" kern="1200" dirty="0" smtClean="0">
+                          <a:solidFill>
+                            <a:schemeClr val="dk1"/>
+                          </a:solidFill>
+                          <a:effectLst/>
+                          <a:latin typeface="+mn-lt"/>
+                          <a:ea typeface="+mn-ea"/>
+                          <a:cs typeface="+mn-cs"/>
+                        </a:rPr>
+                        <a:t>)(7:13)</a:t>
                       </a:r>
                       <a:endParaRPr lang="en-US" dirty="0"/>
                     </a:p>
